--- a/DD Games.pptx
+++ b/DD Games.pptx
@@ -19,6 +19,8 @@
     <p:sldId id="268" r:id="rId13"/>
     <p:sldId id="267" r:id="rId14"/>
     <p:sldId id="262" r:id="rId15"/>
+    <p:sldId id="271" r:id="rId16"/>
+    <p:sldId id="270" r:id="rId17"/>
   </p:sldIdLst>
   <p:sldSz cx="12192000" cy="6858000"/>
   <p:notesSz cx="6858000" cy="9144000"/>
@@ -3347,16 +3349,11 @@
               <a:rPr lang="en-GB" dirty="0" smtClean="0"/>
               <a:t>Series</a:t>
             </a:r>
-            <a:endParaRPr lang="en-GB" dirty="0" smtClean="0"/>
-          </a:p>
-          <a:p>
-            <a:r>
-              <a:rPr lang="en-GB" dirty="0" smtClean="0"/>
-              <a:t>Big </a:t>
-            </a:r>
-            <a:r>
-              <a:rPr lang="en-GB" dirty="0" smtClean="0"/>
-              <a:t>City Adventure</a:t>
+          </a:p>
+          <a:p>
+            <a:r>
+              <a:rPr lang="en-GB" dirty="0" smtClean="0"/>
+              <a:t>Big City Adventure</a:t>
             </a:r>
           </a:p>
           <a:p>
@@ -3368,13 +3365,8 @@
           <a:p>
             <a:r>
               <a:rPr lang="en-GB" dirty="0" smtClean="0"/>
-              <a:t>Heritage </a:t>
-            </a:r>
-            <a:r>
-              <a:rPr lang="en-GB" dirty="0" smtClean="0"/>
-              <a:t>Walks</a:t>
-            </a:r>
-            <a:endParaRPr lang="en-GB" dirty="0" smtClean="0"/>
+              <a:t>Heritage Walks</a:t>
+            </a:r>
           </a:p>
         </p:txBody>
       </p:sp>
@@ -3456,7 +3448,6 @@
               <a:rPr lang="en-GB" dirty="0" smtClean="0"/>
               <a:t>Documentation</a:t>
             </a:r>
-            <a:endParaRPr lang="en-GB" dirty="0" smtClean="0"/>
           </a:p>
           <a:p>
             <a:r>
@@ -3513,35 +3504,25 @@
             <p:ph type="title"/>
           </p:nvPr>
         </p:nvSpPr>
-        <p:spPr/>
-        <p:txBody>
-          <a:bodyPr/>
-          <a:lstStyle/>
-          <a:p>
-            <a:r>
-              <a:rPr lang="en-GB" dirty="0" smtClean="0"/>
-              <a:t>Questions?</a:t>
+        <p:spPr>
+          <a:xfrm>
+            <a:off x="617483" y="2929649"/>
+            <a:ext cx="10515600" cy="1325563"/>
+          </a:xfrm>
+        </p:spPr>
+        <p:txBody>
+          <a:bodyPr/>
+          <a:lstStyle/>
+          <a:p>
+            <a:r>
+              <a:rPr lang="en-GB" dirty="0" smtClean="0"/>
+              <a:t>				Questions</a:t>
+            </a:r>
+            <a:r>
+              <a:rPr lang="en-GB" dirty="0" smtClean="0"/>
+              <a:t>?</a:t>
             </a:r>
             <a:endParaRPr lang="en-GB" dirty="0"/>
-          </a:p>
-        </p:txBody>
-      </p:sp>
-      <p:sp>
-        <p:nvSpPr>
-          <p:cNvPr id="3" name="Content Placeholder 2"/>
-          <p:cNvSpPr>
-            <a:spLocks noGrp="1"/>
-          </p:cNvSpPr>
-          <p:nvPr>
-            <p:ph idx="1"/>
-          </p:nvPr>
-        </p:nvSpPr>
-        <p:spPr/>
-        <p:txBody>
-          <a:bodyPr/>
-          <a:lstStyle/>
-          <a:p>
-            <a:endParaRPr lang="en-GB"/>
           </a:p>
         </p:txBody>
       </p:sp>
@@ -3549,6 +3530,156 @@
     <p:extLst>
       <p:ext uri="{BB962C8B-B14F-4D97-AF65-F5344CB8AC3E}">
         <p14:creationId xmlns:p14="http://schemas.microsoft.com/office/powerpoint/2010/main" val="1430854308"/>
+      </p:ext>
+    </p:extLst>
+  </p:cSld>
+  <p:clrMapOvr>
+    <a:masterClrMapping/>
+  </p:clrMapOvr>
+</p:sld>
+</file>
+
+<file path=ppt/slides/slide15.xml><?xml version="1.0" encoding="utf-8"?>
+<p:sld xmlns:a="http://schemas.openxmlformats.org/drawingml/2006/main" xmlns:r="http://schemas.openxmlformats.org/officeDocument/2006/relationships" xmlns:p="http://schemas.openxmlformats.org/presentationml/2006/main">
+  <p:cSld>
+    <p:spTree>
+      <p:nvGrpSpPr>
+        <p:cNvPr id="1" name=""/>
+        <p:cNvGrpSpPr/>
+        <p:nvPr/>
+      </p:nvGrpSpPr>
+      <p:grpSpPr>
+        <a:xfrm>
+          <a:off x="0" y="0"/>
+          <a:ext cx="0" cy="0"/>
+          <a:chOff x="0" y="0"/>
+          <a:chExt cx="0" cy="0"/>
+        </a:xfrm>
+      </p:grpSpPr>
+      <p:sp>
+        <p:nvSpPr>
+          <p:cNvPr id="2" name="Title 1"/>
+          <p:cNvSpPr>
+            <a:spLocks noGrp="1"/>
+          </p:cNvSpPr>
+          <p:nvPr>
+            <p:ph type="title"/>
+          </p:nvPr>
+        </p:nvSpPr>
+        <p:spPr/>
+        <p:txBody>
+          <a:bodyPr/>
+          <a:lstStyle/>
+          <a:p>
+            <a:endParaRPr lang="en-GB"/>
+          </a:p>
+        </p:txBody>
+      </p:sp>
+      <p:sp>
+        <p:nvSpPr>
+          <p:cNvPr id="3" name="Content Placeholder 2"/>
+          <p:cNvSpPr>
+            <a:spLocks noGrp="1"/>
+          </p:cNvSpPr>
+          <p:nvPr>
+            <p:ph idx="1"/>
+          </p:nvPr>
+        </p:nvSpPr>
+        <p:spPr/>
+        <p:txBody>
+          <a:bodyPr/>
+          <a:lstStyle/>
+          <a:p>
+            <a:endParaRPr lang="en-GB"/>
+          </a:p>
+        </p:txBody>
+      </p:sp>
+    </p:spTree>
+    <p:extLst>
+      <p:ext uri="{BB962C8B-B14F-4D97-AF65-F5344CB8AC3E}">
+        <p14:creationId xmlns:p14="http://schemas.microsoft.com/office/powerpoint/2010/main" val="3312721098"/>
+      </p:ext>
+    </p:extLst>
+  </p:cSld>
+  <p:clrMapOvr>
+    <a:masterClrMapping/>
+  </p:clrMapOvr>
+</p:sld>
+</file>
+
+<file path=ppt/slides/slide16.xml><?xml version="1.0" encoding="utf-8"?>
+<p:sld xmlns:a="http://schemas.openxmlformats.org/drawingml/2006/main" xmlns:r="http://schemas.openxmlformats.org/officeDocument/2006/relationships" xmlns:p="http://schemas.openxmlformats.org/presentationml/2006/main">
+  <p:cSld>
+    <p:spTree>
+      <p:nvGrpSpPr>
+        <p:cNvPr id="1" name=""/>
+        <p:cNvGrpSpPr/>
+        <p:nvPr/>
+      </p:nvGrpSpPr>
+      <p:grpSpPr>
+        <a:xfrm>
+          <a:off x="0" y="0"/>
+          <a:ext cx="0" cy="0"/>
+          <a:chOff x="0" y="0"/>
+          <a:chExt cx="0" cy="0"/>
+        </a:xfrm>
+      </p:grpSpPr>
+      <p:sp>
+        <p:nvSpPr>
+          <p:cNvPr id="2" name="Title 1"/>
+          <p:cNvSpPr>
+            <a:spLocks noGrp="1"/>
+          </p:cNvSpPr>
+          <p:nvPr>
+            <p:ph type="title"/>
+          </p:nvPr>
+        </p:nvSpPr>
+        <p:spPr/>
+        <p:txBody>
+          <a:bodyPr/>
+          <a:lstStyle/>
+          <a:p>
+            <a:r>
+              <a:rPr lang="en-GB" dirty="0" smtClean="0"/>
+              <a:t>Other Options</a:t>
+            </a:r>
+            <a:endParaRPr lang="en-GB" dirty="0"/>
+          </a:p>
+        </p:txBody>
+      </p:sp>
+      <p:sp>
+        <p:nvSpPr>
+          <p:cNvPr id="3" name="Content Placeholder 2"/>
+          <p:cNvSpPr>
+            <a:spLocks noGrp="1"/>
+          </p:cNvSpPr>
+          <p:nvPr>
+            <p:ph idx="1"/>
+          </p:nvPr>
+        </p:nvSpPr>
+        <p:spPr/>
+        <p:txBody>
+          <a:bodyPr/>
+          <a:lstStyle/>
+          <a:p>
+            <a:r>
+              <a:rPr lang="en-GB" dirty="0" smtClean="0"/>
+              <a:t>Tour guide with optional mini games</a:t>
+            </a:r>
+          </a:p>
+          <a:p>
+            <a:r>
+              <a:rPr lang="en-GB" dirty="0" smtClean="0"/>
+              <a:t>Gamified walk</a:t>
+            </a:r>
+            <a:endParaRPr lang="en-GB" dirty="0"/>
+          </a:p>
+        </p:txBody>
+      </p:sp>
+    </p:spTree>
+    <p:extLst>
+      <p:ext uri="{BB962C8B-B14F-4D97-AF65-F5344CB8AC3E}">
+        <p14:creationId xmlns:p14="http://schemas.microsoft.com/office/powerpoint/2010/main" val="158272569"/>
       </p:ext>
     </p:extLst>
   </p:cSld>
@@ -3675,11 +3806,11 @@
   <p:clrMapOvr>
     <a:masterClrMapping/>
   </p:clrMapOvr>
-  <mc:AlternateContent xmlns:mc="http://schemas.openxmlformats.org/markup-compatibility/2006">
-    <mc:Choice xmlns:p14="http://schemas.microsoft.com/office/powerpoint/2010/main" Requires="p14">
+  <mc:AlternateContent xmlns:mc="http://schemas.openxmlformats.org/markup-compatibility/2006" xmlns:p14="http://schemas.microsoft.com/office/powerpoint/2010/main">
+    <mc:Choice Requires="p14">
       <p:transition p14:dur="0"/>
     </mc:Choice>
-    <mc:Fallback>
+    <mc:Fallback xmlns="">
       <p:transition/>
     </mc:Fallback>
   </mc:AlternateContent>
@@ -3892,11 +4023,7 @@
           <a:p>
             <a:r>
               <a:rPr lang="en-GB" dirty="0" smtClean="0"/>
-              <a:t>What </a:t>
-            </a:r>
-            <a:r>
-              <a:rPr lang="en-GB" dirty="0" smtClean="0"/>
-              <a:t>If…</a:t>
+              <a:t>What If…</a:t>
             </a:r>
             <a:endParaRPr lang="en-GB" dirty="0"/>
           </a:p>
